--- a/AST.pptx
+++ b/AST.pptx
@@ -912,7 +912,7 @@
       </p:grpSpPr>
       <p:sp>
         <p:nvSpPr>
-          <p:cNvPr id="59" name="Google Shape;59;g2a1798fe33c_0_4:notes"/>
+          <p:cNvPr id="59" name="Google Shape;59;g2a1798fe33c_0_59:notes"/>
           <p:cNvSpPr/>
           <p:nvPr>
             <p:ph idx="2" type="sldImg"/>
@@ -947,7 +947,7 @@
       </p:sp>
       <p:sp>
         <p:nvSpPr>
-          <p:cNvPr id="60" name="Google Shape;60;g2a1798fe33c_0_4:notes"/>
+          <p:cNvPr id="60" name="Google Shape;60;g2a1798fe33c_0_59:notes"/>
           <p:cNvSpPr txBox="1"/>
           <p:nvPr>
             <p:ph idx="1" type="body"/>
@@ -997,7 +997,7 @@
   <p:cSld>
     <p:spTree>
       <p:nvGrpSpPr>
-        <p:cNvPr id="65" name="Shape 65"/>
+        <p:cNvPr id="64" name="Shape 64"/>
         <p:cNvGrpSpPr/>
         <p:nvPr/>
       </p:nvGrpSpPr>
@@ -1011,7 +1011,7 @@
       </p:grpSpPr>
       <p:sp>
         <p:nvSpPr>
-          <p:cNvPr id="66" name="Google Shape;66;g2a1798fe33c_0_59:notes"/>
+          <p:cNvPr id="65" name="Google Shape;65;g2a1798fe33c_0_4:notes"/>
           <p:cNvSpPr/>
           <p:nvPr>
             <p:ph idx="2" type="sldImg"/>
@@ -1046,7 +1046,7 @@
       </p:sp>
       <p:sp>
         <p:nvSpPr>
-          <p:cNvPr id="67" name="Google Shape;67;g2a1798fe33c_0_59:notes"/>
+          <p:cNvPr id="66" name="Google Shape;66;g2a1798fe33c_0_4:notes"/>
           <p:cNvSpPr txBox="1"/>
           <p:nvPr>
             <p:ph idx="1" type="body"/>
@@ -6790,344 +6790,9 @@
           <a:chExt cx="0" cy="0"/>
         </a:xfrm>
       </p:grpSpPr>
-      <p:pic>
-        <p:nvPicPr>
-          <p:cNvPr id="62" name="Google Shape;62;p14"/>
-          <p:cNvPicPr preferRelativeResize="0"/>
-          <p:nvPr/>
-        </p:nvPicPr>
-        <p:blipFill>
-          <a:blip r:embed="rId3">
-            <a:alphaModFix/>
-          </a:blip>
-          <a:stretch>
-            <a:fillRect/>
-          </a:stretch>
-        </p:blipFill>
-        <p:spPr>
-          <a:xfrm>
-            <a:off x="298950" y="982800"/>
-            <a:ext cx="3486625" cy="3190150"/>
-          </a:xfrm>
-          <a:prstGeom prst="rect">
-            <a:avLst/>
-          </a:prstGeom>
-          <a:noFill/>
-          <a:ln>
-            <a:noFill/>
-          </a:ln>
-        </p:spPr>
-      </p:pic>
       <p:sp>
         <p:nvSpPr>
-          <p:cNvPr id="63" name="Google Shape;63;p14"/>
-          <p:cNvSpPr txBox="1"/>
-          <p:nvPr>
-            <p:ph type="ctrTitle"/>
-          </p:nvPr>
-        </p:nvSpPr>
-        <p:spPr>
-          <a:xfrm>
-            <a:off x="115350" y="79375"/>
-            <a:ext cx="3035100" cy="876600"/>
-          </a:xfrm>
-          <a:prstGeom prst="rect">
-            <a:avLst/>
-          </a:prstGeom>
-        </p:spPr>
-        <p:txBody>
-          <a:bodyPr anchorCtr="0" anchor="b" bIns="91425" lIns="91425" spcFirstLastPara="1" rIns="91425" wrap="square" tIns="91425">
-            <a:noAutofit/>
-          </a:bodyPr>
-          <a:lstStyle/>
-          <a:p>
-            <a:pPr indent="0" lvl="0" marL="0" rtl="0" algn="ctr">
-              <a:spcBef>
-                <a:spcPts val="0"/>
-              </a:spcBef>
-              <a:spcAft>
-                <a:spcPts val="0"/>
-              </a:spcAft>
-              <a:buNone/>
-            </a:pPr>
-            <a:r>
-              <a:rPr lang="es" sz="4300">
-                <a:solidFill>
-                  <a:srgbClr val="FFFFFF"/>
-                </a:solidFill>
-                <a:latin typeface="Impact"/>
-                <a:ea typeface="Impact"/>
-                <a:cs typeface="Impact"/>
-                <a:sym typeface="Impact"/>
-              </a:rPr>
-              <a:t>Gramática</a:t>
-            </a:r>
-            <a:endParaRPr sz="4300">
-              <a:solidFill>
-                <a:srgbClr val="FFFFFF"/>
-              </a:solidFill>
-              <a:latin typeface="Impact"/>
-              <a:ea typeface="Impact"/>
-              <a:cs typeface="Impact"/>
-              <a:sym typeface="Impact"/>
-            </a:endParaRPr>
-          </a:p>
-        </p:txBody>
-      </p:sp>
-      <p:sp>
-        <p:nvSpPr>
-          <p:cNvPr id="64" name="Google Shape;64;p14"/>
-          <p:cNvSpPr txBox="1"/>
-          <p:nvPr>
-            <p:ph type="ctrTitle"/>
-          </p:nvPr>
-        </p:nvSpPr>
-        <p:spPr>
-          <a:xfrm>
-            <a:off x="4047225" y="1008300"/>
-            <a:ext cx="3169800" cy="3126900"/>
-          </a:xfrm>
-          <a:prstGeom prst="rect">
-            <a:avLst/>
-          </a:prstGeom>
-        </p:spPr>
-        <p:txBody>
-          <a:bodyPr anchorCtr="0" anchor="b" bIns="91425" lIns="91425" spcFirstLastPara="1" rIns="91425" wrap="square" tIns="91425">
-            <a:noAutofit/>
-          </a:bodyPr>
-          <a:lstStyle/>
-          <a:p>
-            <a:pPr indent="-438150" lvl="0" marL="457200" rtl="0" algn="l">
-              <a:spcBef>
-                <a:spcPts val="0"/>
-              </a:spcBef>
-              <a:spcAft>
-                <a:spcPts val="0"/>
-              </a:spcAft>
-              <a:buClr>
-                <a:srgbClr val="FFFFFF"/>
-              </a:buClr>
-              <a:buSzPts val="3300"/>
-              <a:buFont typeface="Impact"/>
-              <a:buChar char="+"/>
-            </a:pPr>
-            <a:r>
-              <a:rPr lang="es" sz="3300">
-                <a:solidFill>
-                  <a:srgbClr val="FFFFFF"/>
-                </a:solidFill>
-                <a:latin typeface="Impact"/>
-                <a:ea typeface="Impact"/>
-                <a:cs typeface="Impact"/>
-                <a:sym typeface="Impact"/>
-              </a:rPr>
-              <a:t>Suma</a:t>
-            </a:r>
-            <a:endParaRPr sz="3300">
-              <a:solidFill>
-                <a:srgbClr val="FFFFFF"/>
-              </a:solidFill>
-              <a:latin typeface="Impact"/>
-              <a:ea typeface="Impact"/>
-              <a:cs typeface="Impact"/>
-              <a:sym typeface="Impact"/>
-            </a:endParaRPr>
-          </a:p>
-          <a:p>
-            <a:pPr indent="-438150" lvl="0" marL="457200" rtl="0" algn="l">
-              <a:spcBef>
-                <a:spcPts val="0"/>
-              </a:spcBef>
-              <a:spcAft>
-                <a:spcPts val="0"/>
-              </a:spcAft>
-              <a:buClr>
-                <a:srgbClr val="FFFFFF"/>
-              </a:buClr>
-              <a:buSzPts val="3300"/>
-              <a:buFont typeface="Impact"/>
-              <a:buChar char="-"/>
-            </a:pPr>
-            <a:r>
-              <a:rPr lang="es" sz="3300">
-                <a:solidFill>
-                  <a:srgbClr val="FFFFFF"/>
-                </a:solidFill>
-                <a:latin typeface="Impact"/>
-                <a:ea typeface="Impact"/>
-                <a:cs typeface="Impact"/>
-                <a:sym typeface="Impact"/>
-              </a:rPr>
-              <a:t>Resta</a:t>
-            </a:r>
-            <a:endParaRPr sz="3300">
-              <a:solidFill>
-                <a:srgbClr val="FFFFFF"/>
-              </a:solidFill>
-              <a:latin typeface="Impact"/>
-              <a:ea typeface="Impact"/>
-              <a:cs typeface="Impact"/>
-              <a:sym typeface="Impact"/>
-            </a:endParaRPr>
-          </a:p>
-          <a:p>
-            <a:pPr indent="0" lvl="0" marL="0" rtl="0" algn="l">
-              <a:spcBef>
-                <a:spcPts val="0"/>
-              </a:spcBef>
-              <a:spcAft>
-                <a:spcPts val="0"/>
-              </a:spcAft>
-              <a:buNone/>
-            </a:pPr>
-            <a:r>
-              <a:rPr lang="es" sz="3300">
-                <a:solidFill>
-                  <a:srgbClr val="FFFFFF"/>
-                </a:solidFill>
-                <a:latin typeface="Impact"/>
-                <a:ea typeface="Impact"/>
-                <a:cs typeface="Impact"/>
-                <a:sym typeface="Impact"/>
-              </a:rPr>
-              <a:t>*   Multiplicación</a:t>
-            </a:r>
-            <a:endParaRPr sz="3300">
-              <a:solidFill>
-                <a:srgbClr val="FFFFFF"/>
-              </a:solidFill>
-              <a:latin typeface="Impact"/>
-              <a:ea typeface="Impact"/>
-              <a:cs typeface="Impact"/>
-              <a:sym typeface="Impact"/>
-            </a:endParaRPr>
-          </a:p>
-          <a:p>
-            <a:pPr indent="0" lvl="0" marL="0" rtl="0" algn="l">
-              <a:spcBef>
-                <a:spcPts val="0"/>
-              </a:spcBef>
-              <a:spcAft>
-                <a:spcPts val="0"/>
-              </a:spcAft>
-              <a:buNone/>
-            </a:pPr>
-            <a:r>
-              <a:rPr lang="es" sz="3300">
-                <a:solidFill>
-                  <a:srgbClr val="FFFFFF"/>
-                </a:solidFill>
-                <a:latin typeface="Impact"/>
-                <a:ea typeface="Impact"/>
-                <a:cs typeface="Impact"/>
-                <a:sym typeface="Impact"/>
-              </a:rPr>
-              <a:t>/   División</a:t>
-            </a:r>
-            <a:endParaRPr sz="3300">
-              <a:solidFill>
-                <a:srgbClr val="FFFFFF"/>
-              </a:solidFill>
-              <a:latin typeface="Impact"/>
-              <a:ea typeface="Impact"/>
-              <a:cs typeface="Impact"/>
-              <a:sym typeface="Impact"/>
-            </a:endParaRPr>
-          </a:p>
-          <a:p>
-            <a:pPr indent="0" lvl="0" marL="0" rtl="0" algn="l">
-              <a:spcBef>
-                <a:spcPts val="0"/>
-              </a:spcBef>
-              <a:spcAft>
-                <a:spcPts val="0"/>
-              </a:spcAft>
-              <a:buNone/>
-            </a:pPr>
-            <a:r>
-              <a:rPr lang="es" sz="3300">
-                <a:solidFill>
-                  <a:srgbClr val="FFFFFF"/>
-                </a:solidFill>
-                <a:latin typeface="Impact"/>
-                <a:ea typeface="Impact"/>
-                <a:cs typeface="Impact"/>
-                <a:sym typeface="Impact"/>
-              </a:rPr>
-              <a:t>^   Exponente</a:t>
-            </a:r>
-            <a:endParaRPr sz="3300">
-              <a:solidFill>
-                <a:srgbClr val="FFFFFF"/>
-              </a:solidFill>
-              <a:latin typeface="Impact"/>
-              <a:ea typeface="Impact"/>
-              <a:cs typeface="Impact"/>
-              <a:sym typeface="Impact"/>
-            </a:endParaRPr>
-          </a:p>
-          <a:p>
-            <a:pPr indent="0" lvl="0" marL="0" rtl="0" algn="l">
-              <a:spcBef>
-                <a:spcPts val="0"/>
-              </a:spcBef>
-              <a:spcAft>
-                <a:spcPts val="0"/>
-              </a:spcAft>
-              <a:buNone/>
-            </a:pPr>
-            <a:r>
-              <a:rPr lang="es" sz="3300">
-                <a:solidFill>
-                  <a:srgbClr val="FFFFFF"/>
-                </a:solidFill>
-                <a:latin typeface="Impact"/>
-                <a:ea typeface="Impact"/>
-                <a:cs typeface="Impact"/>
-                <a:sym typeface="Impact"/>
-              </a:rPr>
-              <a:t>%  Módulo </a:t>
-            </a:r>
-            <a:endParaRPr sz="3300">
-              <a:solidFill>
-                <a:srgbClr val="FFFFFF"/>
-              </a:solidFill>
-              <a:latin typeface="Impact"/>
-              <a:ea typeface="Impact"/>
-              <a:cs typeface="Impact"/>
-              <a:sym typeface="Impact"/>
-            </a:endParaRPr>
-          </a:p>
-        </p:txBody>
-      </p:sp>
-    </p:spTree>
-  </p:cSld>
-  <p:clrMapOvr>
-    <a:masterClrMapping/>
-  </p:clrMapOvr>
-</p:sld>
-</file>
-
-<file path=ppt/slides/slide3.xml><?xml version="1.0" encoding="utf-8"?>
-<p:sld xmlns:a="http://schemas.openxmlformats.org/drawingml/2006/main" xmlns:r="http://schemas.openxmlformats.org/officeDocument/2006/relationships" xmlns:mc="http://schemas.openxmlformats.org/markup-compatibility/2006" xmlns:mv="urn:schemas-microsoft-com:mac:vml" xmlns:p="http://schemas.openxmlformats.org/presentationml/2006/main" xmlns:c="http://schemas.openxmlformats.org/drawingml/2006/chart" xmlns:dgm="http://schemas.openxmlformats.org/drawingml/2006/diagram" xmlns:o="urn:schemas-microsoft-com:office:office" xmlns:v="urn:schemas-microsoft-com:vml" xmlns:pvml="urn:schemas-microsoft-com:office:powerpoint" xmlns:com="http://schemas.openxmlformats.org/drawingml/2006/compatibility" xmlns:p14="http://schemas.microsoft.com/office/powerpoint/2010/main" xmlns:p15="http://schemas.microsoft.com/office/powerpoint/2012/main" xmlns:ahyp="http://schemas.microsoft.com/office/drawing/2018/hyperlinkcolor">
-  <p:cSld>
-    <p:spTree>
-      <p:nvGrpSpPr>
-        <p:cNvPr id="68" name="Shape 68"/>
-        <p:cNvGrpSpPr/>
-        <p:nvPr/>
-      </p:nvGrpSpPr>
-      <p:grpSpPr>
-        <a:xfrm>
-          <a:off x="0" y="0"/>
-          <a:ext cx="0" cy="0"/>
-          <a:chOff x="0" y="0"/>
-          <a:chExt cx="0" cy="0"/>
-        </a:xfrm>
-      </p:grpSpPr>
-      <p:sp>
-        <p:nvSpPr>
-          <p:cNvPr id="69" name="Google Shape;69;p15"/>
+          <p:cNvPr id="62" name="Google Shape;62;p14"/>
           <p:cNvSpPr txBox="1"/>
           <p:nvPr>
             <p:ph type="ctrTitle"/>
@@ -7195,7 +6860,7 @@
       </p:sp>
       <p:sp>
         <p:nvSpPr>
-          <p:cNvPr id="70" name="Google Shape;70;p15"/>
+          <p:cNvPr id="63" name="Google Shape;63;p14"/>
           <p:cNvSpPr txBox="1"/>
           <p:nvPr>
             <p:ph type="ctrTitle"/>
@@ -7272,7 +6937,7 @@
                 <a:cs typeface="Impact"/>
                 <a:sym typeface="Impact"/>
               </a:rPr>
-              <a:t>Gramática</a:t>
+              <a:t>Gramática (lark)</a:t>
             </a:r>
             <a:endParaRPr sz="1700">
               <a:solidFill>
@@ -7665,7 +7330,7 @@
                 <a:cs typeface="Impact"/>
                 <a:sym typeface="Impact"/>
               </a:rPr>
-              <a:t>Interfaz del árbol</a:t>
+              <a:t>Interfaz del árbol (tkinter)</a:t>
             </a:r>
             <a:endParaRPr sz="1700">
               <a:solidFill>
@@ -7742,6 +7407,341 @@
               <a:t>Ventana</a:t>
             </a:r>
             <a:endParaRPr sz="1700">
+              <a:solidFill>
+                <a:srgbClr val="FFFFFF"/>
+              </a:solidFill>
+              <a:latin typeface="Impact"/>
+              <a:ea typeface="Impact"/>
+              <a:cs typeface="Impact"/>
+              <a:sym typeface="Impact"/>
+            </a:endParaRPr>
+          </a:p>
+        </p:txBody>
+      </p:sp>
+    </p:spTree>
+  </p:cSld>
+  <p:clrMapOvr>
+    <a:masterClrMapping/>
+  </p:clrMapOvr>
+</p:sld>
+</file>
+
+<file path=ppt/slides/slide3.xml><?xml version="1.0" encoding="utf-8"?>
+<p:sld xmlns:a="http://schemas.openxmlformats.org/drawingml/2006/main" xmlns:r="http://schemas.openxmlformats.org/officeDocument/2006/relationships" xmlns:mc="http://schemas.openxmlformats.org/markup-compatibility/2006" xmlns:mv="urn:schemas-microsoft-com:mac:vml" xmlns:p="http://schemas.openxmlformats.org/presentationml/2006/main" xmlns:c="http://schemas.openxmlformats.org/drawingml/2006/chart" xmlns:dgm="http://schemas.openxmlformats.org/drawingml/2006/diagram" xmlns:o="urn:schemas-microsoft-com:office:office" xmlns:v="urn:schemas-microsoft-com:vml" xmlns:pvml="urn:schemas-microsoft-com:office:powerpoint" xmlns:com="http://schemas.openxmlformats.org/drawingml/2006/compatibility" xmlns:p14="http://schemas.microsoft.com/office/powerpoint/2010/main" xmlns:p15="http://schemas.microsoft.com/office/powerpoint/2012/main" xmlns:ahyp="http://schemas.microsoft.com/office/drawing/2018/hyperlinkcolor">
+  <p:cSld>
+    <p:spTree>
+      <p:nvGrpSpPr>
+        <p:cNvPr id="67" name="Shape 67"/>
+        <p:cNvGrpSpPr/>
+        <p:nvPr/>
+      </p:nvGrpSpPr>
+      <p:grpSpPr>
+        <a:xfrm>
+          <a:off x="0" y="0"/>
+          <a:ext cx="0" cy="0"/>
+          <a:chOff x="0" y="0"/>
+          <a:chExt cx="0" cy="0"/>
+        </a:xfrm>
+      </p:grpSpPr>
+      <p:pic>
+        <p:nvPicPr>
+          <p:cNvPr id="68" name="Google Shape;68;p15"/>
+          <p:cNvPicPr preferRelativeResize="0"/>
+          <p:nvPr/>
+        </p:nvPicPr>
+        <p:blipFill>
+          <a:blip r:embed="rId3">
+            <a:alphaModFix/>
+          </a:blip>
+          <a:stretch>
+            <a:fillRect/>
+          </a:stretch>
+        </p:blipFill>
+        <p:spPr>
+          <a:xfrm>
+            <a:off x="298950" y="982800"/>
+            <a:ext cx="3486625" cy="3190150"/>
+          </a:xfrm>
+          <a:prstGeom prst="rect">
+            <a:avLst/>
+          </a:prstGeom>
+          <a:noFill/>
+          <a:ln>
+            <a:noFill/>
+          </a:ln>
+        </p:spPr>
+      </p:pic>
+      <p:sp>
+        <p:nvSpPr>
+          <p:cNvPr id="69" name="Google Shape;69;p15"/>
+          <p:cNvSpPr txBox="1"/>
+          <p:nvPr>
+            <p:ph type="ctrTitle"/>
+          </p:nvPr>
+        </p:nvSpPr>
+        <p:spPr>
+          <a:xfrm>
+            <a:off x="115350" y="79375"/>
+            <a:ext cx="3035100" cy="876600"/>
+          </a:xfrm>
+          <a:prstGeom prst="rect">
+            <a:avLst/>
+          </a:prstGeom>
+        </p:spPr>
+        <p:txBody>
+          <a:bodyPr anchorCtr="0" anchor="b" bIns="91425" lIns="91425" spcFirstLastPara="1" rIns="91425" wrap="square" tIns="91425">
+            <a:noAutofit/>
+          </a:bodyPr>
+          <a:lstStyle/>
+          <a:p>
+            <a:pPr indent="0" lvl="0" marL="0" rtl="0" algn="ctr">
+              <a:spcBef>
+                <a:spcPts val="0"/>
+              </a:spcBef>
+              <a:spcAft>
+                <a:spcPts val="0"/>
+              </a:spcAft>
+              <a:buNone/>
+            </a:pPr>
+            <a:r>
+              <a:rPr lang="es" sz="4300">
+                <a:solidFill>
+                  <a:srgbClr val="FFFFFF"/>
+                </a:solidFill>
+                <a:latin typeface="Impact"/>
+                <a:ea typeface="Impact"/>
+                <a:cs typeface="Impact"/>
+                <a:sym typeface="Impact"/>
+              </a:rPr>
+              <a:t>Gramática</a:t>
+            </a:r>
+            <a:endParaRPr sz="4300">
+              <a:solidFill>
+                <a:srgbClr val="FFFFFF"/>
+              </a:solidFill>
+              <a:latin typeface="Impact"/>
+              <a:ea typeface="Impact"/>
+              <a:cs typeface="Impact"/>
+              <a:sym typeface="Impact"/>
+            </a:endParaRPr>
+          </a:p>
+        </p:txBody>
+      </p:sp>
+      <p:sp>
+        <p:nvSpPr>
+          <p:cNvPr id="70" name="Google Shape;70;p15"/>
+          <p:cNvSpPr txBox="1"/>
+          <p:nvPr>
+            <p:ph type="ctrTitle"/>
+          </p:nvPr>
+        </p:nvSpPr>
+        <p:spPr>
+          <a:xfrm>
+            <a:off x="4047225" y="1008300"/>
+            <a:ext cx="3169800" cy="3126900"/>
+          </a:xfrm>
+          <a:prstGeom prst="rect">
+            <a:avLst/>
+          </a:prstGeom>
+        </p:spPr>
+        <p:txBody>
+          <a:bodyPr anchorCtr="0" anchor="b" bIns="91425" lIns="91425" spcFirstLastPara="1" rIns="91425" wrap="square" tIns="91425">
+            <a:noAutofit/>
+          </a:bodyPr>
+          <a:lstStyle/>
+          <a:p>
+            <a:pPr indent="-438150" lvl="0" marL="457200" rtl="0" algn="l">
+              <a:spcBef>
+                <a:spcPts val="0"/>
+              </a:spcBef>
+              <a:spcAft>
+                <a:spcPts val="0"/>
+              </a:spcAft>
+              <a:buClr>
+                <a:srgbClr val="FFFFFF"/>
+              </a:buClr>
+              <a:buSzPts val="3300"/>
+              <a:buFont typeface="Impact"/>
+              <a:buChar char="+"/>
+            </a:pPr>
+            <a:r>
+              <a:rPr lang="es" sz="3300">
+                <a:solidFill>
+                  <a:srgbClr val="FFFFFF"/>
+                </a:solidFill>
+                <a:latin typeface="Impact"/>
+                <a:ea typeface="Impact"/>
+                <a:cs typeface="Impact"/>
+                <a:sym typeface="Impact"/>
+              </a:rPr>
+              <a:t>Suma</a:t>
+            </a:r>
+            <a:endParaRPr sz="3300">
+              <a:solidFill>
+                <a:srgbClr val="FFFFFF"/>
+              </a:solidFill>
+              <a:latin typeface="Impact"/>
+              <a:ea typeface="Impact"/>
+              <a:cs typeface="Impact"/>
+              <a:sym typeface="Impact"/>
+            </a:endParaRPr>
+          </a:p>
+          <a:p>
+            <a:pPr indent="-438150" lvl="0" marL="457200" rtl="0" algn="l">
+              <a:spcBef>
+                <a:spcPts val="0"/>
+              </a:spcBef>
+              <a:spcAft>
+                <a:spcPts val="0"/>
+              </a:spcAft>
+              <a:buClr>
+                <a:srgbClr val="FFFFFF"/>
+              </a:buClr>
+              <a:buSzPts val="3300"/>
+              <a:buFont typeface="Impact"/>
+              <a:buChar char="-"/>
+            </a:pPr>
+            <a:r>
+              <a:rPr lang="es" sz="3300">
+                <a:solidFill>
+                  <a:srgbClr val="FFFFFF"/>
+                </a:solidFill>
+                <a:latin typeface="Impact"/>
+                <a:ea typeface="Impact"/>
+                <a:cs typeface="Impact"/>
+                <a:sym typeface="Impact"/>
+              </a:rPr>
+              <a:t>Resta</a:t>
+            </a:r>
+            <a:endParaRPr sz="3300">
+              <a:solidFill>
+                <a:srgbClr val="FFFFFF"/>
+              </a:solidFill>
+              <a:latin typeface="Impact"/>
+              <a:ea typeface="Impact"/>
+              <a:cs typeface="Impact"/>
+              <a:sym typeface="Impact"/>
+            </a:endParaRPr>
+          </a:p>
+          <a:p>
+            <a:pPr indent="0" lvl="0" marL="0" rtl="0" algn="l">
+              <a:spcBef>
+                <a:spcPts val="0"/>
+              </a:spcBef>
+              <a:spcAft>
+                <a:spcPts val="0"/>
+              </a:spcAft>
+              <a:buNone/>
+            </a:pPr>
+            <a:r>
+              <a:rPr lang="es" sz="3300">
+                <a:solidFill>
+                  <a:srgbClr val="FFFFFF"/>
+                </a:solidFill>
+                <a:latin typeface="Impact"/>
+                <a:ea typeface="Impact"/>
+                <a:cs typeface="Impact"/>
+                <a:sym typeface="Impact"/>
+              </a:rPr>
+              <a:t>*   Multiplicación</a:t>
+            </a:r>
+            <a:endParaRPr sz="3300">
+              <a:solidFill>
+                <a:srgbClr val="FFFFFF"/>
+              </a:solidFill>
+              <a:latin typeface="Impact"/>
+              <a:ea typeface="Impact"/>
+              <a:cs typeface="Impact"/>
+              <a:sym typeface="Impact"/>
+            </a:endParaRPr>
+          </a:p>
+          <a:p>
+            <a:pPr indent="0" lvl="0" marL="0" rtl="0" algn="l">
+              <a:spcBef>
+                <a:spcPts val="0"/>
+              </a:spcBef>
+              <a:spcAft>
+                <a:spcPts val="0"/>
+              </a:spcAft>
+              <a:buNone/>
+            </a:pPr>
+            <a:r>
+              <a:rPr lang="es" sz="3300">
+                <a:solidFill>
+                  <a:srgbClr val="FFFFFF"/>
+                </a:solidFill>
+                <a:latin typeface="Impact"/>
+                <a:ea typeface="Impact"/>
+                <a:cs typeface="Impact"/>
+                <a:sym typeface="Impact"/>
+              </a:rPr>
+              <a:t>/   División</a:t>
+            </a:r>
+            <a:endParaRPr sz="3300">
+              <a:solidFill>
+                <a:srgbClr val="FFFFFF"/>
+              </a:solidFill>
+              <a:latin typeface="Impact"/>
+              <a:ea typeface="Impact"/>
+              <a:cs typeface="Impact"/>
+              <a:sym typeface="Impact"/>
+            </a:endParaRPr>
+          </a:p>
+          <a:p>
+            <a:pPr indent="0" lvl="0" marL="0" rtl="0" algn="l">
+              <a:spcBef>
+                <a:spcPts val="0"/>
+              </a:spcBef>
+              <a:spcAft>
+                <a:spcPts val="0"/>
+              </a:spcAft>
+              <a:buNone/>
+            </a:pPr>
+            <a:r>
+              <a:rPr lang="es" sz="3300">
+                <a:solidFill>
+                  <a:srgbClr val="FFFFFF"/>
+                </a:solidFill>
+                <a:latin typeface="Impact"/>
+                <a:ea typeface="Impact"/>
+                <a:cs typeface="Impact"/>
+                <a:sym typeface="Impact"/>
+              </a:rPr>
+              <a:t>^   Exponente</a:t>
+            </a:r>
+            <a:endParaRPr sz="3300">
+              <a:solidFill>
+                <a:srgbClr val="FFFFFF"/>
+              </a:solidFill>
+              <a:latin typeface="Impact"/>
+              <a:ea typeface="Impact"/>
+              <a:cs typeface="Impact"/>
+              <a:sym typeface="Impact"/>
+            </a:endParaRPr>
+          </a:p>
+          <a:p>
+            <a:pPr indent="0" lvl="0" marL="0" rtl="0" algn="l">
+              <a:spcBef>
+                <a:spcPts val="0"/>
+              </a:spcBef>
+              <a:spcAft>
+                <a:spcPts val="0"/>
+              </a:spcAft>
+              <a:buNone/>
+            </a:pPr>
+            <a:r>
+              <a:rPr lang="es" sz="3300">
+                <a:solidFill>
+                  <a:srgbClr val="FFFFFF"/>
+                </a:solidFill>
+                <a:latin typeface="Impact"/>
+                <a:ea typeface="Impact"/>
+                <a:cs typeface="Impact"/>
+                <a:sym typeface="Impact"/>
+              </a:rPr>
+              <a:t>%  Módulo </a:t>
+            </a:r>
+            <a:endParaRPr sz="3300">
               <a:solidFill>
                 <a:srgbClr val="FFFFFF"/>
               </a:solidFill>
